--- a/MPC/MPC_Graph.pptx
+++ b/MPC/MPC_Graph.pptx
@@ -243,7 +243,7 @@
           <a:p>
             <a:fld id="{2FFED9B5-8610-4EF9-BD93-E2132D67A92B}" type="datetimeFigureOut">
               <a:rPr lang="en-US" smtClean="0"/>
-              <a:t>16-Mar-23</a:t>
+              <a:t>17-Mar-23</a:t>
             </a:fld>
             <a:endParaRPr lang="en-US"/>
           </a:p>
@@ -413,7 +413,7 @@
           <a:p>
             <a:fld id="{2FFED9B5-8610-4EF9-BD93-E2132D67A92B}" type="datetimeFigureOut">
               <a:rPr lang="en-US" smtClean="0"/>
-              <a:t>16-Mar-23</a:t>
+              <a:t>17-Mar-23</a:t>
             </a:fld>
             <a:endParaRPr lang="en-US"/>
           </a:p>
@@ -593,7 +593,7 @@
           <a:p>
             <a:fld id="{2FFED9B5-8610-4EF9-BD93-E2132D67A92B}" type="datetimeFigureOut">
               <a:rPr lang="en-US" smtClean="0"/>
-              <a:t>16-Mar-23</a:t>
+              <a:t>17-Mar-23</a:t>
             </a:fld>
             <a:endParaRPr lang="en-US"/>
           </a:p>
@@ -763,7 +763,7 @@
           <a:p>
             <a:fld id="{2FFED9B5-8610-4EF9-BD93-E2132D67A92B}" type="datetimeFigureOut">
               <a:rPr lang="en-US" smtClean="0"/>
-              <a:t>16-Mar-23</a:t>
+              <a:t>17-Mar-23</a:t>
             </a:fld>
             <a:endParaRPr lang="en-US"/>
           </a:p>
@@ -1009,7 +1009,7 @@
           <a:p>
             <a:fld id="{2FFED9B5-8610-4EF9-BD93-E2132D67A92B}" type="datetimeFigureOut">
               <a:rPr lang="en-US" smtClean="0"/>
-              <a:t>16-Mar-23</a:t>
+              <a:t>17-Mar-23</a:t>
             </a:fld>
             <a:endParaRPr lang="en-US"/>
           </a:p>
@@ -1241,7 +1241,7 @@
           <a:p>
             <a:fld id="{2FFED9B5-8610-4EF9-BD93-E2132D67A92B}" type="datetimeFigureOut">
               <a:rPr lang="en-US" smtClean="0"/>
-              <a:t>16-Mar-23</a:t>
+              <a:t>17-Mar-23</a:t>
             </a:fld>
             <a:endParaRPr lang="en-US"/>
           </a:p>
@@ -1608,7 +1608,7 @@
           <a:p>
             <a:fld id="{2FFED9B5-8610-4EF9-BD93-E2132D67A92B}" type="datetimeFigureOut">
               <a:rPr lang="en-US" smtClean="0"/>
-              <a:t>16-Mar-23</a:t>
+              <a:t>17-Mar-23</a:t>
             </a:fld>
             <a:endParaRPr lang="en-US"/>
           </a:p>
@@ -1726,7 +1726,7 @@
           <a:p>
             <a:fld id="{2FFED9B5-8610-4EF9-BD93-E2132D67A92B}" type="datetimeFigureOut">
               <a:rPr lang="en-US" smtClean="0"/>
-              <a:t>16-Mar-23</a:t>
+              <a:t>17-Mar-23</a:t>
             </a:fld>
             <a:endParaRPr lang="en-US"/>
           </a:p>
@@ -1821,7 +1821,7 @@
           <a:p>
             <a:fld id="{2FFED9B5-8610-4EF9-BD93-E2132D67A92B}" type="datetimeFigureOut">
               <a:rPr lang="en-US" smtClean="0"/>
-              <a:t>16-Mar-23</a:t>
+              <a:t>17-Mar-23</a:t>
             </a:fld>
             <a:endParaRPr lang="en-US"/>
           </a:p>
@@ -2098,7 +2098,7 @@
           <a:p>
             <a:fld id="{2FFED9B5-8610-4EF9-BD93-E2132D67A92B}" type="datetimeFigureOut">
               <a:rPr lang="en-US" smtClean="0"/>
-              <a:t>16-Mar-23</a:t>
+              <a:t>17-Mar-23</a:t>
             </a:fld>
             <a:endParaRPr lang="en-US"/>
           </a:p>
@@ -2351,7 +2351,7 @@
           <a:p>
             <a:fld id="{2FFED9B5-8610-4EF9-BD93-E2132D67A92B}" type="datetimeFigureOut">
               <a:rPr lang="en-US" smtClean="0"/>
-              <a:t>16-Mar-23</a:t>
+              <a:t>17-Mar-23</a:t>
             </a:fld>
             <a:endParaRPr lang="en-US"/>
           </a:p>
@@ -2564,7 +2564,7 @@
           <a:p>
             <a:fld id="{2FFED9B5-8610-4EF9-BD93-E2132D67A92B}" type="datetimeFigureOut">
               <a:rPr lang="en-US" smtClean="0"/>
-              <a:t>16-Mar-23</a:t>
+              <a:t>17-Mar-23</a:t>
             </a:fld>
             <a:endParaRPr lang="en-US"/>
           </a:p>
@@ -2969,6 +2969,82 @@
           <a:chExt cx="0" cy="0"/>
         </a:xfrm>
       </p:grpSpPr>
+      <p:cxnSp>
+        <p:nvCxnSpPr>
+          <p:cNvPr id="43" name="直接连接符 42"/>
+          <p:cNvCxnSpPr/>
+          <p:nvPr/>
+        </p:nvCxnSpPr>
+        <p:spPr>
+          <a:xfrm>
+            <a:off x="2314865" y="1526587"/>
+            <a:ext cx="1668845" cy="0"/>
+          </a:xfrm>
+          <a:prstGeom prst="line">
+            <a:avLst/>
+          </a:prstGeom>
+          <a:ln w="6350">
+            <a:solidFill>
+              <a:schemeClr val="bg1">
+                <a:lumMod val="65000"/>
+              </a:schemeClr>
+            </a:solidFill>
+            <a:prstDash val="lgDash"/>
+          </a:ln>
+        </p:spPr>
+        <p:style>
+          <a:lnRef idx="1">
+            <a:schemeClr val="accent1"/>
+          </a:lnRef>
+          <a:fillRef idx="0">
+            <a:schemeClr val="accent1"/>
+          </a:fillRef>
+          <a:effectRef idx="0">
+            <a:schemeClr val="accent1"/>
+          </a:effectRef>
+          <a:fontRef idx="minor">
+            <a:schemeClr val="tx1"/>
+          </a:fontRef>
+        </p:style>
+      </p:cxnSp>
+      <p:cxnSp>
+        <p:nvCxnSpPr>
+          <p:cNvPr id="41" name="直接连接符 40"/>
+          <p:cNvCxnSpPr/>
+          <p:nvPr/>
+        </p:nvCxnSpPr>
+        <p:spPr>
+          <a:xfrm>
+            <a:off x="3970267" y="1523260"/>
+            <a:ext cx="0" cy="1722177"/>
+          </a:xfrm>
+          <a:prstGeom prst="line">
+            <a:avLst/>
+          </a:prstGeom>
+          <a:ln w="6350">
+            <a:solidFill>
+              <a:schemeClr val="bg1">
+                <a:lumMod val="65000"/>
+              </a:schemeClr>
+            </a:solidFill>
+            <a:prstDash val="lgDash"/>
+          </a:ln>
+        </p:spPr>
+        <p:style>
+          <a:lnRef idx="1">
+            <a:schemeClr val="accent1"/>
+          </a:lnRef>
+          <a:fillRef idx="0">
+            <a:schemeClr val="accent1"/>
+          </a:fillRef>
+          <a:effectRef idx="0">
+            <a:schemeClr val="accent1"/>
+          </a:effectRef>
+          <a:fontRef idx="minor">
+            <a:schemeClr val="tx1"/>
+          </a:fontRef>
+        </p:style>
+      </p:cxnSp>
       <p:cxnSp>
         <p:nvCxnSpPr>
           <p:cNvPr id="67" name="直接连接符 66"/>
@@ -3964,7 +4040,7 @@
         <p:spPr>
           <a:xfrm>
             <a:off x="5402543" y="2685236"/>
-            <a:ext cx="293670" cy="307777"/>
+            <a:ext cx="293670" cy="276999"/>
           </a:xfrm>
           <a:prstGeom prst="rect">
             <a:avLst/>
@@ -3978,13 +4054,13 @@
           <a:lstStyle/>
           <a:p>
             <a:r>
-              <a:rPr lang="en-US" altLang="zh-CN" sz="1400" i="1" dirty="0" smtClean="0">
+              <a:rPr lang="en-US" altLang="zh-CN" sz="1200" i="1" dirty="0" smtClean="0">
                 <a:latin typeface="Times New Roman" panose="02020603050405020304" pitchFamily="18" charset="0"/>
                 <a:cs typeface="Times New Roman" panose="02020603050405020304" pitchFamily="18" charset="0"/>
               </a:rPr>
               <a:t>P</a:t>
             </a:r>
-            <a:endParaRPr lang="en-US" sz="1100" i="1" dirty="0">
+            <a:endParaRPr lang="en-US" sz="1050" i="1" dirty="0">
               <a:latin typeface="Times New Roman" panose="02020603050405020304" pitchFamily="18" charset="0"/>
               <a:cs typeface="Times New Roman" panose="02020603050405020304" pitchFamily="18" charset="0"/>
             </a:endParaRPr>
@@ -3999,8 +4075,8 @@
         </p:nvSpPr>
         <p:spPr>
           <a:xfrm rot="1200000">
-            <a:off x="3585350" y="1666090"/>
-            <a:ext cx="293670" cy="307777"/>
+            <a:off x="3568724" y="1706418"/>
+            <a:ext cx="293670" cy="276999"/>
           </a:xfrm>
           <a:prstGeom prst="rect">
             <a:avLst/>
@@ -4014,13 +4090,13 @@
           <a:lstStyle/>
           <a:p>
             <a:r>
-              <a:rPr lang="en-US" altLang="zh-CN" sz="1400" i="1" dirty="0">
+              <a:rPr lang="en-US" altLang="zh-CN" sz="1200" i="1" dirty="0">
                 <a:latin typeface="Times New Roman" panose="02020603050405020304" pitchFamily="18" charset="0"/>
                 <a:cs typeface="Times New Roman" panose="02020603050405020304" pitchFamily="18" charset="0"/>
               </a:rPr>
               <a:t>L</a:t>
             </a:r>
-            <a:endParaRPr lang="en-US" sz="1100" i="1" dirty="0">
+            <a:endParaRPr lang="en-US" sz="1050" i="1" dirty="0">
               <a:latin typeface="Times New Roman" panose="02020603050405020304" pitchFamily="18" charset="0"/>
               <a:cs typeface="Times New Roman" panose="02020603050405020304" pitchFamily="18" charset="0"/>
             </a:endParaRPr>
@@ -4035,8 +4111,8 @@
         </p:nvSpPr>
         <p:spPr>
           <a:xfrm rot="1500000">
-            <a:off x="4302316" y="2550122"/>
-            <a:ext cx="293670" cy="307777"/>
+            <a:off x="4302316" y="2565511"/>
+            <a:ext cx="293670" cy="276999"/>
           </a:xfrm>
           <a:prstGeom prst="rect">
             <a:avLst/>
@@ -4050,13 +4126,13 @@
           <a:lstStyle/>
           <a:p>
             <a:r>
-              <a:rPr lang="en-US" altLang="zh-CN" sz="1400" i="1" dirty="0" smtClean="0">
+              <a:rPr lang="en-US" altLang="zh-CN" sz="1200" i="1" dirty="0" smtClean="0">
                 <a:latin typeface="Times New Roman" panose="02020603050405020304" pitchFamily="18" charset="0"/>
                 <a:cs typeface="Times New Roman" panose="02020603050405020304" pitchFamily="18" charset="0"/>
               </a:rPr>
               <a:t>R</a:t>
             </a:r>
-            <a:endParaRPr lang="en-US" sz="1100" i="1" dirty="0">
+            <a:endParaRPr lang="en-US" sz="1050" i="1" dirty="0">
               <a:latin typeface="Times New Roman" panose="02020603050405020304" pitchFamily="18" charset="0"/>
               <a:cs typeface="Times New Roman" panose="02020603050405020304" pitchFamily="18" charset="0"/>
             </a:endParaRPr>
@@ -4491,6 +4567,98 @@
           </a:fontRef>
         </p:style>
       </p:cxnSp>
+      <p:sp>
+        <p:nvSpPr>
+          <p:cNvPr id="45" name="文本框 44"/>
+          <p:cNvSpPr txBox="1"/>
+          <p:nvPr/>
+        </p:nvSpPr>
+        <p:spPr>
+          <a:xfrm>
+            <a:off x="3307095" y="1527374"/>
+            <a:ext cx="601447" cy="261610"/>
+          </a:xfrm>
+          <a:prstGeom prst="rect">
+            <a:avLst/>
+          </a:prstGeom>
+          <a:noFill/>
+        </p:spPr>
+        <p:txBody>
+          <a:bodyPr wrap="none" rtlCol="0">
+            <a:spAutoFit/>
+          </a:bodyPr>
+          <a:lstStyle/>
+          <a:p>
+            <a:r>
+              <a:rPr lang="en-US" sz="1100" dirty="0" smtClean="0">
+                <a:latin typeface="Times New Roman" panose="02020603050405020304" pitchFamily="18" charset="0"/>
+                <a:cs typeface="Times New Roman" panose="02020603050405020304" pitchFamily="18" charset="0"/>
+              </a:rPr>
+              <a:t>(</a:t>
+            </a:r>
+            <a:r>
+              <a:rPr lang="en-US" sz="1100" i="1" dirty="0" smtClean="0">
+                <a:latin typeface="Times New Roman" panose="02020603050405020304" pitchFamily="18" charset="0"/>
+                <a:cs typeface="Times New Roman" panose="02020603050405020304" pitchFamily="18" charset="0"/>
+              </a:rPr>
+              <a:t>X</a:t>
+            </a:r>
+            <a:r>
+              <a:rPr lang="en-US" altLang="zh-CN" sz="1100" baseline="-25000" dirty="0" smtClean="0">
+                <a:latin typeface="Times New Roman" panose="02020603050405020304" pitchFamily="18" charset="0"/>
+                <a:cs typeface="Times New Roman" panose="02020603050405020304" pitchFamily="18" charset="0"/>
+              </a:rPr>
+              <a:t>f</a:t>
+            </a:r>
+            <a:r>
+              <a:rPr lang="en-US" sz="1100" baseline="-25000" dirty="0" smtClean="0">
+                <a:latin typeface="Times New Roman" panose="02020603050405020304" pitchFamily="18" charset="0"/>
+                <a:cs typeface="Times New Roman" panose="02020603050405020304" pitchFamily="18" charset="0"/>
+              </a:rPr>
+              <a:t> </a:t>
+            </a:r>
+            <a:r>
+              <a:rPr lang="en-US" sz="1100" dirty="0" smtClean="0">
+                <a:latin typeface="Times New Roman" panose="02020603050405020304" pitchFamily="18" charset="0"/>
+                <a:cs typeface="Times New Roman" panose="02020603050405020304" pitchFamily="18" charset="0"/>
+              </a:rPr>
+              <a:t>,</a:t>
+            </a:r>
+            <a:r>
+              <a:rPr lang="en-US" sz="1100" i="1" dirty="0" smtClean="0">
+                <a:latin typeface="Times New Roman" panose="02020603050405020304" pitchFamily="18" charset="0"/>
+                <a:cs typeface="Times New Roman" panose="02020603050405020304" pitchFamily="18" charset="0"/>
+              </a:rPr>
+              <a:t> </a:t>
+            </a:r>
+            <a:r>
+              <a:rPr lang="en-US" sz="1100" i="1" dirty="0" smtClean="0">
+                <a:latin typeface="Times New Roman" panose="02020603050405020304" pitchFamily="18" charset="0"/>
+                <a:cs typeface="Times New Roman" panose="02020603050405020304" pitchFamily="18" charset="0"/>
+              </a:rPr>
+              <a:t>Y</a:t>
+            </a:r>
+            <a:r>
+              <a:rPr lang="en-US" sz="1100" baseline="-25000" dirty="0" smtClean="0">
+                <a:latin typeface="Times New Roman" panose="02020603050405020304" pitchFamily="18" charset="0"/>
+                <a:cs typeface="Times New Roman" panose="02020603050405020304" pitchFamily="18" charset="0"/>
+              </a:rPr>
+              <a:t>f</a:t>
+            </a:r>
+            <a:r>
+              <a:rPr lang="en-US" sz="1100" dirty="0" smtClean="0">
+                <a:latin typeface="Times New Roman" panose="02020603050405020304" pitchFamily="18" charset="0"/>
+                <a:cs typeface="Times New Roman" panose="02020603050405020304" pitchFamily="18" charset="0"/>
+              </a:rPr>
+              <a:t>)</a:t>
+            </a:r>
+            <a:endParaRPr lang="en-US" sz="1000" dirty="0">
+              <a:latin typeface="Times New Roman" panose="02020603050405020304" pitchFamily="18" charset="0"/>
+              <a:cs typeface="Times New Roman" panose="02020603050405020304" pitchFamily="18" charset="0"/>
+            </a:endParaRPr>
+          </a:p>
+        </p:txBody>
+      </p:sp>
     </p:spTree>
     <p:extLst>
       <p:ext uri="{BB962C8B-B14F-4D97-AF65-F5344CB8AC3E}">
